--- a/doc/外部設計/最新版/画面設計書ver1.7.pptx
+++ b/doc/外部設計/最新版/画面設計書ver1.7.pptx
@@ -209,7 +209,7 @@
           <a:p>
             <a:fld id="{C5276D56-C12B-4549-83BD-EE9F981152DB}" type="datetimeFigureOut">
               <a:rPr kumimoji="1" lang="ja-JP" altLang="en-US" smtClean="0"/>
-              <a:t>2023/6/15</a:t>
+              <a:t>2023/6/16</a:t>
             </a:fld>
             <a:endParaRPr kumimoji="1" lang="ja-JP" altLang="en-US"/>
           </a:p>
@@ -2642,6 +2642,15 @@
               <a:tabLst/>
               <a:defRPr/>
             </a:pPr>
+            <a:r>
+              <a:rPr kumimoji="1" lang="ja-JP" altLang="en-US" sz="1200" kern="50" dirty="0">
+                <a:effectLst/>
+                <a:latin typeface="Times New Roman" panose="02020603050405020304" pitchFamily="18" charset="0"/>
+                <a:ea typeface="ＭＳ ゴシック" panose="020B0609070205080204" pitchFamily="49" charset="-128"/>
+                <a:cs typeface="Mangal" panose="02040503050203030202" pitchFamily="18" charset="0"/>
+              </a:rPr>
+              <a:t>複数ある場合は下に追加する。</a:t>
+            </a:r>
             <a:endParaRPr kumimoji="1" lang="en-US" altLang="ja-JP" sz="1200" kern="50" dirty="0">
               <a:effectLst/>
               <a:latin typeface="Times New Roman" panose="02020603050405020304" pitchFamily="18" charset="0"/>
@@ -2674,7 +2683,7 @@
                 <a:ea typeface="ＭＳ ゴシック" panose="020B0609070205080204" pitchFamily="49" charset="-128"/>
                 <a:cs typeface="Mangal" panose="02040503050203030202" pitchFamily="18" charset="0"/>
               </a:rPr>
-              <a:t>呑まないの提案結果</a:t>
+              <a:t>３列表示。</a:t>
             </a:r>
             <a:endParaRPr kumimoji="1" lang="en-US" altLang="ja-JP" sz="1200" kern="50" dirty="0">
               <a:effectLst/>
@@ -2701,10 +2710,118 @@
               <a:tabLst/>
               <a:defRPr/>
             </a:pPr>
+            <a:endParaRPr kumimoji="1" lang="en-US" altLang="ja-JP" sz="1200" kern="50" dirty="0">
+              <a:effectLst/>
+              <a:latin typeface="Times New Roman" panose="02020603050405020304" pitchFamily="18" charset="0"/>
+              <a:ea typeface="ＭＳ ゴシック" panose="020B0609070205080204" pitchFamily="49" charset="-128"/>
+              <a:cs typeface="Mangal" panose="02040503050203030202" pitchFamily="18" charset="0"/>
+            </a:endParaRPr>
+          </a:p>
+          <a:p>
+            <a:pPr marL="0" marR="0" lvl="0" indent="0" algn="l" defTabSz="914400" rtl="0" eaLnBrk="1" fontAlgn="auto" latinLnBrk="0" hangingPunct="1">
+              <a:lnSpc>
+                <a:spcPct val="100000"/>
+              </a:lnSpc>
+              <a:spcBef>
+                <a:spcPts val="0"/>
+              </a:spcBef>
+              <a:spcAft>
+                <a:spcPts val="0"/>
+              </a:spcAft>
+              <a:buClrTx/>
+              <a:buSzTx/>
+              <a:buFontTx/>
+              <a:buNone/>
+              <a:tabLst/>
+              <a:defRPr/>
+            </a:pPr>
+            <a:r>
+              <a:rPr kumimoji="1" lang="ja-JP" altLang="en-US" sz="1200" kern="50" dirty="0">
+                <a:effectLst/>
+                <a:latin typeface="Times New Roman" panose="02020603050405020304" pitchFamily="18" charset="0"/>
+                <a:ea typeface="ＭＳ ゴシック" panose="020B0609070205080204" pitchFamily="49" charset="-128"/>
+                <a:cs typeface="Mangal" panose="02040503050203030202" pitchFamily="18" charset="0"/>
+              </a:rPr>
+              <a:t>呑まないの提案結果</a:t>
+            </a:r>
+            <a:endParaRPr kumimoji="1" lang="en-US" altLang="ja-JP" sz="1200" kern="50" dirty="0">
+              <a:effectLst/>
+              <a:latin typeface="Times New Roman" panose="02020603050405020304" pitchFamily="18" charset="0"/>
+              <a:ea typeface="ＭＳ ゴシック" panose="020B0609070205080204" pitchFamily="49" charset="-128"/>
+              <a:cs typeface="Mangal" panose="02040503050203030202" pitchFamily="18" charset="0"/>
+            </a:endParaRPr>
+          </a:p>
+          <a:p>
+            <a:pPr marL="0" marR="0" lvl="0" indent="0" algn="l" defTabSz="914400" rtl="0" eaLnBrk="1" fontAlgn="auto" latinLnBrk="0" hangingPunct="1">
+              <a:lnSpc>
+                <a:spcPct val="100000"/>
+              </a:lnSpc>
+              <a:spcBef>
+                <a:spcPts val="0"/>
+              </a:spcBef>
+              <a:spcAft>
+                <a:spcPts val="0"/>
+              </a:spcAft>
+              <a:buClrTx/>
+              <a:buSzTx/>
+              <a:buFontTx/>
+              <a:buNone/>
+              <a:tabLst/>
+              <a:defRPr/>
+            </a:pPr>
             <a:r>
               <a:rPr kumimoji="1" lang="ja-JP" altLang="en-US" dirty="0"/>
-              <a:t>選択されたものに対して、３品目出す。</a:t>
-            </a:r>
+              <a:t>選択されたものに対して、メインを３品目出す。</a:t>
+            </a:r>
+            <a:endParaRPr kumimoji="1" lang="en-US" altLang="ja-JP" dirty="0"/>
+          </a:p>
+          <a:p>
+            <a:pPr marL="0" marR="0" lvl="0" indent="0" algn="l" defTabSz="914400" rtl="0" eaLnBrk="1" fontAlgn="auto" latinLnBrk="0" hangingPunct="1">
+              <a:lnSpc>
+                <a:spcPct val="100000"/>
+              </a:lnSpc>
+              <a:spcBef>
+                <a:spcPts val="0"/>
+              </a:spcBef>
+              <a:spcAft>
+                <a:spcPts val="0"/>
+              </a:spcAft>
+              <a:buClrTx/>
+              <a:buSzTx/>
+              <a:buFontTx/>
+              <a:buNone/>
+              <a:tabLst/>
+              <a:defRPr/>
+            </a:pPr>
+            <a:r>
+              <a:rPr kumimoji="1" lang="en-US" altLang="ja-JP" dirty="0"/>
+              <a:t>3</a:t>
+            </a:r>
+            <a:r>
+              <a:rPr kumimoji="1" lang="ja-JP" altLang="en-US"/>
+              <a:t>列表示。</a:t>
+            </a:r>
+            <a:endParaRPr kumimoji="1" lang="en-US" altLang="ja-JP" dirty="0"/>
+          </a:p>
+          <a:p>
+            <a:pPr marL="0" marR="0" lvl="0" indent="0" algn="l" defTabSz="914400" rtl="0" eaLnBrk="1" fontAlgn="auto" latinLnBrk="0" hangingPunct="1">
+              <a:lnSpc>
+                <a:spcPct val="100000"/>
+              </a:lnSpc>
+              <a:spcBef>
+                <a:spcPts val="0"/>
+              </a:spcBef>
+              <a:spcAft>
+                <a:spcPts val="0"/>
+              </a:spcAft>
+              <a:buClrTx/>
+              <a:buSzTx/>
+              <a:buFontTx/>
+              <a:buNone/>
+              <a:tabLst/>
+              <a:defRPr/>
+            </a:pPr>
+            <a:endParaRPr kumimoji="1" lang="ja-JP" altLang="en-US" dirty="0"/>
           </a:p>
           <a:p>
             <a:endParaRPr kumimoji="1" lang="en-US" altLang="ja-JP" dirty="0"/>
@@ -3493,7 +3610,7 @@
           <a:p>
             <a:fld id="{88812EB5-B3F6-44DD-AA0A-4D4DED96BBCD}" type="datetime1">
               <a:rPr kumimoji="1" lang="ja-JP" altLang="en-US" smtClean="0"/>
-              <a:t>2023/6/15</a:t>
+              <a:t>2023/6/16</a:t>
             </a:fld>
             <a:endParaRPr kumimoji="1" lang="ja-JP" altLang="en-US"/>
           </a:p>
@@ -3723,7 +3840,7 @@
           <a:p>
             <a:fld id="{82FDDA47-C123-4BD1-8DAA-B2799B312A11}" type="datetime1">
               <a:rPr kumimoji="1" lang="ja-JP" altLang="en-US" smtClean="0"/>
-              <a:t>2023/6/15</a:t>
+              <a:t>2023/6/16</a:t>
             </a:fld>
             <a:endParaRPr kumimoji="1" lang="ja-JP" altLang="en-US"/>
           </a:p>
@@ -3963,7 +4080,7 @@
           <a:p>
             <a:fld id="{5D118168-E8A2-4D86-85F4-6D322203BDCB}" type="datetime1">
               <a:rPr kumimoji="1" lang="ja-JP" altLang="en-US" smtClean="0"/>
-              <a:t>2023/6/15</a:t>
+              <a:t>2023/6/16</a:t>
             </a:fld>
             <a:endParaRPr kumimoji="1" lang="ja-JP" altLang="en-US"/>
           </a:p>
@@ -4193,7 +4310,7 @@
           <a:p>
             <a:fld id="{FE1FE3FC-0684-44AC-AEF5-FCF83FC6E73F}" type="datetime1">
               <a:rPr kumimoji="1" lang="ja-JP" altLang="en-US" smtClean="0"/>
-              <a:t>2023/6/15</a:t>
+              <a:t>2023/6/16</a:t>
             </a:fld>
             <a:endParaRPr kumimoji="1" lang="ja-JP" altLang="en-US"/>
           </a:p>
@@ -4468,7 +4585,7 @@
           <a:p>
             <a:fld id="{D976890E-9A1C-456F-AD36-89A530EEF62D}" type="datetime1">
               <a:rPr kumimoji="1" lang="ja-JP" altLang="en-US" smtClean="0"/>
-              <a:t>2023/6/15</a:t>
+              <a:t>2023/6/16</a:t>
             </a:fld>
             <a:endParaRPr kumimoji="1" lang="ja-JP" altLang="en-US"/>
           </a:p>
@@ -4797,7 +4914,7 @@
           <a:p>
             <a:fld id="{64AAD928-B1B6-4E73-9761-11AD3DA5339D}" type="datetime1">
               <a:rPr kumimoji="1" lang="ja-JP" altLang="en-US" smtClean="0"/>
-              <a:t>2023/6/15</a:t>
+              <a:t>2023/6/16</a:t>
             </a:fld>
             <a:endParaRPr kumimoji="1" lang="ja-JP" altLang="en-US"/>
           </a:p>
@@ -5273,7 +5390,7 @@
           <a:p>
             <a:fld id="{2DAFD352-997F-4B02-B6CE-A5026B95DBF5}" type="datetime1">
               <a:rPr kumimoji="1" lang="ja-JP" altLang="en-US" smtClean="0"/>
-              <a:t>2023/6/15</a:t>
+              <a:t>2023/6/16</a:t>
             </a:fld>
             <a:endParaRPr kumimoji="1" lang="ja-JP" altLang="en-US"/>
           </a:p>
@@ -5414,7 +5531,7 @@
           <a:p>
             <a:fld id="{9ED5BB0B-0616-4FB2-897A-880FD27F390B}" type="datetime1">
               <a:rPr kumimoji="1" lang="ja-JP" altLang="en-US" smtClean="0"/>
-              <a:t>2023/6/15</a:t>
+              <a:t>2023/6/16</a:t>
             </a:fld>
             <a:endParaRPr kumimoji="1" lang="ja-JP" altLang="en-US"/>
           </a:p>
@@ -5527,7 +5644,7 @@
           <a:p>
             <a:fld id="{35CCAFF0-F51C-4D06-91C8-321C59389F04}" type="datetime1">
               <a:rPr kumimoji="1" lang="ja-JP" altLang="en-US" smtClean="0"/>
-              <a:t>2023/6/15</a:t>
+              <a:t>2023/6/16</a:t>
             </a:fld>
             <a:endParaRPr kumimoji="1" lang="ja-JP" altLang="en-US"/>
           </a:p>
@@ -5870,7 +5987,7 @@
           <a:p>
             <a:fld id="{26D08BA3-12C4-4DE6-9F9D-3B49C16E95C3}" type="datetime1">
               <a:rPr kumimoji="1" lang="ja-JP" altLang="en-US" smtClean="0"/>
-              <a:t>2023/6/15</a:t>
+              <a:t>2023/6/16</a:t>
             </a:fld>
             <a:endParaRPr kumimoji="1" lang="ja-JP" altLang="en-US"/>
           </a:p>
@@ -6158,7 +6275,7 @@
           <a:p>
             <a:fld id="{300B90F9-5BEF-4DD3-ABC5-9BFFBEAFFB94}" type="datetime1">
               <a:rPr kumimoji="1" lang="ja-JP" altLang="en-US" smtClean="0"/>
-              <a:t>2023/6/15</a:t>
+              <a:t>2023/6/16</a:t>
             </a:fld>
             <a:endParaRPr kumimoji="1" lang="ja-JP" altLang="en-US"/>
           </a:p>
@@ -6431,7 +6548,7 @@
           <a:p>
             <a:fld id="{E59BE0E5-9A4E-45E7-BB20-DDE5A202FD94}" type="datetime1">
               <a:rPr kumimoji="1" lang="ja-JP" altLang="en-US" smtClean="0"/>
-              <a:t>2023/6/15</a:t>
+              <a:t>2023/6/16</a:t>
             </a:fld>
             <a:endParaRPr kumimoji="1" lang="ja-JP" altLang="en-US"/>
           </a:p>
@@ -6893,7 +7010,7 @@
           <p:nvPr>
             <p:extLst>
               <p:ext uri="{D42A27DB-BD31-4B8C-83A1-F6EECF244321}">
-                <p14:modId xmlns:p14="http://schemas.microsoft.com/office/powerpoint/2010/main" val="2605818285"/>
+                <p14:modId xmlns:p14="http://schemas.microsoft.com/office/powerpoint/2010/main" val="1094837520"/>
               </p:ext>
             </p:extLst>
           </p:nvPr>
@@ -7901,7 +8018,7 @@
                         <a:t>　</a:t>
                       </a:r>
                       <a:r>
-                        <a:rPr lang="en-US" altLang="ja-JP" sz="1600" b="0" i="0" u="none" strike="noStrike">
+                        <a:rPr lang="en-US" altLang="ja-JP" sz="1600" b="0" i="0" u="none" strike="noStrike" dirty="0">
                           <a:solidFill>
                             <a:srgbClr val="000000"/>
                           </a:solidFill>
@@ -7909,19 +8026,8 @@
                           <a:latin typeface="ＭＳ Ｐゴシック" panose="020B0600070205080204" pitchFamily="50" charset="-128"/>
                           <a:ea typeface="ＭＳ Ｐゴシック" panose="020B0600070205080204" pitchFamily="50" charset="-128"/>
                         </a:rPr>
-                        <a:t>2023/6/15</a:t>
+                        <a:t>2023/6/16</a:t>
                       </a:r>
-                      <a:endParaRPr lang="en-US" altLang="ja-JP" sz="1600" b="0" i="0" u="none" strike="noStrike" dirty="0">
-                        <a:solidFill>
-                          <a:srgbClr val="000000"/>
-                        </a:solidFill>
-                        <a:effectLst/>
-                        <a:latin typeface="ＭＳ Ｐゴシック" panose="020B0600070205080204" pitchFamily="50" charset="-128"/>
-                        <a:ea typeface="ＭＳ Ｐゴシック" panose="020B0600070205080204" pitchFamily="50" charset="-128"/>
-                      </a:endParaRPr>
-                    </a:p>
-                    <a:p>
-                      <a:pPr algn="r" fontAlgn="ctr"/>
                       <a:endParaRPr lang="ja-JP" altLang="en-US" sz="1600" b="0" i="0" u="none" strike="noStrike" dirty="0">
                         <a:solidFill>
                           <a:srgbClr val="000000"/>

--- a/doc/外部設計/最新版/画面設計書ver1.7.pptx
+++ b/doc/外部設計/最新版/画面設計書ver1.7.pptx
@@ -209,7 +209,7 @@
           <a:p>
             <a:fld id="{C5276D56-C12B-4549-83BD-EE9F981152DB}" type="datetimeFigureOut">
               <a:rPr kumimoji="1" lang="ja-JP" altLang="en-US" smtClean="0"/>
-              <a:t>2023/6/16</a:t>
+              <a:t>2023/6/19</a:t>
             </a:fld>
             <a:endParaRPr kumimoji="1" lang="ja-JP" altLang="en-US"/>
           </a:p>
@@ -3355,74 +3355,38 @@
             </a:r>
           </a:p>
           <a:p>
-            <a:pPr marL="0" marR="0" lvl="0" indent="0" algn="l" defTabSz="914400" rtl="0" eaLnBrk="1" fontAlgn="auto" latinLnBrk="0" hangingPunct="1">
-              <a:lnSpc>
-                <a:spcPct val="100000"/>
-              </a:lnSpc>
-              <a:spcBef>
-                <a:spcPts val="0"/>
-              </a:spcBef>
-              <a:spcAft>
-                <a:spcPts val="0"/>
-              </a:spcAft>
-              <a:buClrTx/>
-              <a:buSzTx/>
-              <a:buFontTx/>
-              <a:buNone/>
-              <a:tabLst/>
-              <a:defRPr/>
-            </a:pPr>
-            <a:r>
-              <a:rPr kumimoji="1" lang="ja-JP" altLang="en-US" sz="1200" kern="50" dirty="0">
-                <a:effectLst/>
-                <a:latin typeface="Times New Roman" panose="02020603050405020304" pitchFamily="18" charset="0"/>
-                <a:ea typeface="ＭＳ ゴシック" panose="020B0609070205080204" pitchFamily="49" charset="-128"/>
-                <a:cs typeface="Mangal" panose="02040503050203030202" pitchFamily="18" charset="0"/>
-              </a:rPr>
-              <a:t>登録候補を以下に示す。</a:t>
-            </a:r>
-            <a:endParaRPr kumimoji="1" lang="en-US" altLang="ja-JP" sz="1200" kern="50" dirty="0">
-              <a:effectLst/>
-              <a:latin typeface="Times New Roman" panose="02020603050405020304" pitchFamily="18" charset="0"/>
-              <a:ea typeface="ＭＳ ゴシック" panose="020B0609070205080204" pitchFamily="49" charset="-128"/>
-              <a:cs typeface="Mangal" panose="02040503050203030202" pitchFamily="18" charset="0"/>
-            </a:endParaRPr>
-          </a:p>
-          <a:p>
-            <a:pPr marL="0" marR="0" lvl="0" indent="0" algn="l" defTabSz="914400" rtl="0" eaLnBrk="1" fontAlgn="auto" latinLnBrk="0" hangingPunct="1">
-              <a:lnSpc>
-                <a:spcPct val="100000"/>
-              </a:lnSpc>
-              <a:spcBef>
-                <a:spcPts val="0"/>
-              </a:spcBef>
-              <a:spcAft>
-                <a:spcPts val="0"/>
-              </a:spcAft>
-              <a:buClrTx/>
-              <a:buSzTx/>
-              <a:buFontTx/>
-              <a:buNone/>
-              <a:tabLst/>
-              <a:defRPr/>
-            </a:pPr>
-            <a:r>
-              <a:rPr lang="ja-JP" altLang="en-US" sz="1200" kern="50" dirty="0">
-                <a:effectLst/>
-                <a:latin typeface="Times New Roman" panose="02020603050405020304" pitchFamily="18" charset="0"/>
-                <a:ea typeface="ＭＳ ゴシック" panose="020B0609070205080204" pitchFamily="49" charset="-128"/>
-                <a:cs typeface="Mangal" panose="02040503050203030202" pitchFamily="18" charset="0"/>
-              </a:rPr>
-              <a:t>登録項目 ・・・　未定</a:t>
-            </a:r>
-            <a:endParaRPr lang="en-US" altLang="ja-JP" sz="1200" kern="50" dirty="0">
-              <a:effectLst/>
-              <a:latin typeface="Times New Roman" panose="02020603050405020304" pitchFamily="18" charset="0"/>
-              <a:ea typeface="ＭＳ ゴシック" panose="020B0609070205080204" pitchFamily="49" charset="-128"/>
-              <a:cs typeface="Mangal" panose="02040503050203030202" pitchFamily="18" charset="0"/>
-            </a:endParaRPr>
-          </a:p>
-          <a:p>
+            <a:r>
+              <a:rPr kumimoji="1" lang="ja-JP" altLang="en-US" dirty="0"/>
+              <a:t>登録内容は以下の通りである。</a:t>
+            </a:r>
+            <a:endParaRPr kumimoji="1" lang="en-US" altLang="ja-JP" dirty="0"/>
+          </a:p>
+          <a:p>
+            <a:r>
+              <a:rPr kumimoji="1" lang="ja-JP" altLang="en-US" dirty="0"/>
+              <a:t>食事内容</a:t>
+            </a:r>
+            <a:endParaRPr kumimoji="1" lang="en-US" altLang="ja-JP" dirty="0"/>
+          </a:p>
+          <a:p>
+            <a:r>
+              <a:rPr kumimoji="1" lang="ja-JP" altLang="en-US" dirty="0"/>
+              <a:t>カロリー</a:t>
+            </a:r>
+            <a:endParaRPr kumimoji="1" lang="en-US" altLang="ja-JP" dirty="0"/>
+          </a:p>
+          <a:p>
+            <a:r>
+              <a:rPr kumimoji="1" lang="ja-JP" altLang="en-US" dirty="0"/>
+              <a:t>食費</a:t>
+            </a:r>
+            <a:endParaRPr kumimoji="1" lang="en-US" altLang="ja-JP" dirty="0"/>
+          </a:p>
+          <a:p>
+            <a:r>
+              <a:rPr kumimoji="1" lang="ja-JP" altLang="en-US" dirty="0"/>
+              <a:t>体重</a:t>
+            </a:r>
             <a:endParaRPr kumimoji="1" lang="en-US" altLang="ja-JP" dirty="0"/>
           </a:p>
         </p:txBody>
@@ -3610,7 +3574,7 @@
           <a:p>
             <a:fld id="{88812EB5-B3F6-44DD-AA0A-4D4DED96BBCD}" type="datetime1">
               <a:rPr kumimoji="1" lang="ja-JP" altLang="en-US" smtClean="0"/>
-              <a:t>2023/6/16</a:t>
+              <a:t>2023/6/19</a:t>
             </a:fld>
             <a:endParaRPr kumimoji="1" lang="ja-JP" altLang="en-US"/>
           </a:p>
@@ -3840,7 +3804,7 @@
           <a:p>
             <a:fld id="{82FDDA47-C123-4BD1-8DAA-B2799B312A11}" type="datetime1">
               <a:rPr kumimoji="1" lang="ja-JP" altLang="en-US" smtClean="0"/>
-              <a:t>2023/6/16</a:t>
+              <a:t>2023/6/19</a:t>
             </a:fld>
             <a:endParaRPr kumimoji="1" lang="ja-JP" altLang="en-US"/>
           </a:p>
@@ -4080,7 +4044,7 @@
           <a:p>
             <a:fld id="{5D118168-E8A2-4D86-85F4-6D322203BDCB}" type="datetime1">
               <a:rPr kumimoji="1" lang="ja-JP" altLang="en-US" smtClean="0"/>
-              <a:t>2023/6/16</a:t>
+              <a:t>2023/6/19</a:t>
             </a:fld>
             <a:endParaRPr kumimoji="1" lang="ja-JP" altLang="en-US"/>
           </a:p>
@@ -4310,7 +4274,7 @@
           <a:p>
             <a:fld id="{FE1FE3FC-0684-44AC-AEF5-FCF83FC6E73F}" type="datetime1">
               <a:rPr kumimoji="1" lang="ja-JP" altLang="en-US" smtClean="0"/>
-              <a:t>2023/6/16</a:t>
+              <a:t>2023/6/19</a:t>
             </a:fld>
             <a:endParaRPr kumimoji="1" lang="ja-JP" altLang="en-US"/>
           </a:p>
@@ -4585,7 +4549,7 @@
           <a:p>
             <a:fld id="{D976890E-9A1C-456F-AD36-89A530EEF62D}" type="datetime1">
               <a:rPr kumimoji="1" lang="ja-JP" altLang="en-US" smtClean="0"/>
-              <a:t>2023/6/16</a:t>
+              <a:t>2023/6/19</a:t>
             </a:fld>
             <a:endParaRPr kumimoji="1" lang="ja-JP" altLang="en-US"/>
           </a:p>
@@ -4914,7 +4878,7 @@
           <a:p>
             <a:fld id="{64AAD928-B1B6-4E73-9761-11AD3DA5339D}" type="datetime1">
               <a:rPr kumimoji="1" lang="ja-JP" altLang="en-US" smtClean="0"/>
-              <a:t>2023/6/16</a:t>
+              <a:t>2023/6/19</a:t>
             </a:fld>
             <a:endParaRPr kumimoji="1" lang="ja-JP" altLang="en-US"/>
           </a:p>
@@ -5390,7 +5354,7 @@
           <a:p>
             <a:fld id="{2DAFD352-997F-4B02-B6CE-A5026B95DBF5}" type="datetime1">
               <a:rPr kumimoji="1" lang="ja-JP" altLang="en-US" smtClean="0"/>
-              <a:t>2023/6/16</a:t>
+              <a:t>2023/6/19</a:t>
             </a:fld>
             <a:endParaRPr kumimoji="1" lang="ja-JP" altLang="en-US"/>
           </a:p>
@@ -5531,7 +5495,7 @@
           <a:p>
             <a:fld id="{9ED5BB0B-0616-4FB2-897A-880FD27F390B}" type="datetime1">
               <a:rPr kumimoji="1" lang="ja-JP" altLang="en-US" smtClean="0"/>
-              <a:t>2023/6/16</a:t>
+              <a:t>2023/6/19</a:t>
             </a:fld>
             <a:endParaRPr kumimoji="1" lang="ja-JP" altLang="en-US"/>
           </a:p>
@@ -5644,7 +5608,7 @@
           <a:p>
             <a:fld id="{35CCAFF0-F51C-4D06-91C8-321C59389F04}" type="datetime1">
               <a:rPr kumimoji="1" lang="ja-JP" altLang="en-US" smtClean="0"/>
-              <a:t>2023/6/16</a:t>
+              <a:t>2023/6/19</a:t>
             </a:fld>
             <a:endParaRPr kumimoji="1" lang="ja-JP" altLang="en-US"/>
           </a:p>
@@ -5987,7 +5951,7 @@
           <a:p>
             <a:fld id="{26D08BA3-12C4-4DE6-9F9D-3B49C16E95C3}" type="datetime1">
               <a:rPr kumimoji="1" lang="ja-JP" altLang="en-US" smtClean="0"/>
-              <a:t>2023/6/16</a:t>
+              <a:t>2023/6/19</a:t>
             </a:fld>
             <a:endParaRPr kumimoji="1" lang="ja-JP" altLang="en-US"/>
           </a:p>
@@ -6275,7 +6239,7 @@
           <a:p>
             <a:fld id="{300B90F9-5BEF-4DD3-ABC5-9BFFBEAFFB94}" type="datetime1">
               <a:rPr kumimoji="1" lang="ja-JP" altLang="en-US" smtClean="0"/>
-              <a:t>2023/6/16</a:t>
+              <a:t>2023/6/19</a:t>
             </a:fld>
             <a:endParaRPr kumimoji="1" lang="ja-JP" altLang="en-US"/>
           </a:p>
@@ -6548,7 +6512,7 @@
           <a:p>
             <a:fld id="{E59BE0E5-9A4E-45E7-BB20-DDE5A202FD94}" type="datetime1">
               <a:rPr kumimoji="1" lang="ja-JP" altLang="en-US" smtClean="0"/>
-              <a:t>2023/6/16</a:t>
+              <a:t>2023/6/19</a:t>
             </a:fld>
             <a:endParaRPr kumimoji="1" lang="ja-JP" altLang="en-US"/>
           </a:p>
@@ -7010,7 +6974,7 @@
           <p:nvPr>
             <p:extLst>
               <p:ext uri="{D42A27DB-BD31-4B8C-83A1-F6EECF244321}">
-                <p14:modId xmlns:p14="http://schemas.microsoft.com/office/powerpoint/2010/main" val="1094837520"/>
+                <p14:modId xmlns:p14="http://schemas.microsoft.com/office/powerpoint/2010/main" val="1903327410"/>
               </p:ext>
             </p:extLst>
           </p:nvPr>
@@ -8026,7 +7990,7 @@
                           <a:latin typeface="ＭＳ Ｐゴシック" panose="020B0600070205080204" pitchFamily="50" charset="-128"/>
                           <a:ea typeface="ＭＳ Ｐゴシック" panose="020B0600070205080204" pitchFamily="50" charset="-128"/>
                         </a:rPr>
-                        <a:t>2023/6/16</a:t>
+                        <a:t>2023/6/19</a:t>
                       </a:r>
                       <a:endParaRPr lang="ja-JP" altLang="en-US" sz="1600" b="0" i="0" u="none" strike="noStrike" dirty="0">
                         <a:solidFill>
@@ -10315,8 +10279,8 @@
         </p:nvSpPr>
         <p:spPr>
           <a:xfrm>
-            <a:off x="1171254" y="1130157"/>
-            <a:ext cx="9965933" cy="5065160"/>
+            <a:off x="968054" y="1038114"/>
+            <a:ext cx="9965933" cy="5461143"/>
           </a:xfrm>
           <a:prstGeom prst="rect">
             <a:avLst/>
@@ -10363,7 +10327,7 @@
         </p:nvCxnSpPr>
         <p:spPr>
           <a:xfrm>
-            <a:off x="1171254" y="1849348"/>
+            <a:off x="968054" y="1445057"/>
             <a:ext cx="9965933" cy="0"/>
           </a:xfrm>
           <a:prstGeom prst="line">
@@ -10400,7 +10364,7 @@
         </p:nvSpPr>
         <p:spPr>
           <a:xfrm>
-            <a:off x="2835667" y="1385355"/>
+            <a:off x="3905975" y="1031670"/>
             <a:ext cx="3811712" cy="369332"/>
           </a:xfrm>
           <a:prstGeom prst="rect">
@@ -10436,7 +10400,7 @@
         </p:nvCxnSpPr>
         <p:spPr>
           <a:xfrm>
-            <a:off x="1171254" y="5484687"/>
+            <a:off x="875856" y="6025893"/>
             <a:ext cx="9965933" cy="0"/>
           </a:xfrm>
           <a:prstGeom prst="line">
@@ -10473,7 +10437,7 @@
         </p:nvSpPr>
         <p:spPr>
           <a:xfrm>
-            <a:off x="4190144" y="5579349"/>
+            <a:off x="3941445" y="6041109"/>
             <a:ext cx="3811712" cy="369332"/>
           </a:xfrm>
           <a:prstGeom prst="rect">
@@ -10510,17 +10474,15 @@
         </p:nvSpPr>
         <p:spPr>
           <a:xfrm>
-            <a:off x="4945294" y="2726076"/>
-            <a:ext cx="2301411" cy="702920"/>
+            <a:off x="5006297" y="1945353"/>
+            <a:ext cx="1773005" cy="351459"/>
           </a:xfrm>
           <a:prstGeom prst="rect">
             <a:avLst/>
           </a:prstGeom>
           <a:noFill/>
           <a:ln w="38100">
-            <a:solidFill>
-              <a:schemeClr val="accent4"/>
-            </a:solidFill>
+            <a:noFill/>
           </a:ln>
         </p:spPr>
         <p:txBody>
@@ -10530,8 +10492,28 @@
           <a:lstStyle/>
           <a:p>
             <a:r>
+              <a:rPr lang="en-US" altLang="ja-JP" dirty="0" err="1"/>
+              <a:t>xxxx</a:t>
+            </a:r>
+            <a:r>
               <a:rPr lang="ja-JP" altLang="en-US" dirty="0"/>
-              <a:t>結果出力</a:t>
+              <a:t>年</a:t>
+            </a:r>
+            <a:r>
+              <a:rPr lang="en-US" altLang="ja-JP" dirty="0"/>
+              <a:t>xx</a:t>
+            </a:r>
+            <a:r>
+              <a:rPr lang="ja-JP" altLang="en-US" dirty="0"/>
+              <a:t>月</a:t>
+            </a:r>
+            <a:r>
+              <a:rPr lang="en-US" altLang="ja-JP" dirty="0"/>
+              <a:t>xx</a:t>
+            </a:r>
+            <a:r>
+              <a:rPr lang="ja-JP" altLang="en-US" dirty="0"/>
+              <a:t>日</a:t>
             </a:r>
             <a:endParaRPr lang="en-US" altLang="ja-JP" dirty="0"/>
           </a:p>
@@ -10551,7 +10533,7 @@
         </p:nvSpPr>
         <p:spPr>
           <a:xfrm>
-            <a:off x="3986373" y="1866528"/>
+            <a:off x="3783173" y="1462237"/>
             <a:ext cx="3811712" cy="369332"/>
           </a:xfrm>
           <a:prstGeom prst="rect">
@@ -10588,7 +10570,7 @@
         </p:nvCxnSpPr>
         <p:spPr>
           <a:xfrm>
-            <a:off x="1171254" y="2330521"/>
+            <a:off x="968054" y="1926230"/>
             <a:ext cx="9965933" cy="0"/>
           </a:xfrm>
           <a:prstGeom prst="line">
@@ -10625,17 +10607,15 @@
         </p:nvSpPr>
         <p:spPr>
           <a:xfrm>
-            <a:off x="4945293" y="4034753"/>
-            <a:ext cx="2301411" cy="702920"/>
+            <a:off x="1918505" y="2704225"/>
+            <a:ext cx="642991" cy="1948824"/>
           </a:xfrm>
           <a:prstGeom prst="rect">
             <a:avLst/>
           </a:prstGeom>
           <a:noFill/>
           <a:ln w="38100">
-            <a:solidFill>
-              <a:schemeClr val="accent4"/>
-            </a:solidFill>
+            <a:noFill/>
           </a:ln>
         </p:spPr>
         <p:txBody>
@@ -10646,12 +10626,41 @@
           <a:p>
             <a:r>
               <a:rPr lang="ja-JP" altLang="en-US" dirty="0"/>
-              <a:t>登録項目</a:t>
-            </a:r>
-            <a:r>
-              <a:rPr lang="en-US" altLang="ja-JP" dirty="0" err="1"/>
-              <a:t>etc</a:t>
-            </a:r>
+              <a:t>朝</a:t>
+            </a:r>
+            <a:endParaRPr lang="en-US" altLang="ja-JP" dirty="0"/>
+          </a:p>
+          <a:p>
+            <a:endParaRPr lang="en-US" altLang="ja-JP" dirty="0"/>
+          </a:p>
+          <a:p>
+            <a:r>
+              <a:rPr lang="ja-JP" altLang="en-US" dirty="0"/>
+              <a:t>昼</a:t>
+            </a:r>
+            <a:endParaRPr lang="en-US" altLang="ja-JP" dirty="0"/>
+          </a:p>
+          <a:p>
+            <a:endParaRPr lang="en-US" altLang="ja-JP" dirty="0"/>
+          </a:p>
+          <a:p>
+            <a:r>
+              <a:rPr lang="ja-JP" altLang="en-US" dirty="0"/>
+              <a:t>夜</a:t>
+            </a:r>
+            <a:endParaRPr lang="en-US" altLang="ja-JP" dirty="0"/>
+          </a:p>
+          <a:p>
+            <a:endParaRPr lang="en-US" altLang="ja-JP" dirty="0"/>
+          </a:p>
+          <a:p>
+            <a:r>
+              <a:rPr lang="ja-JP" altLang="en-US" dirty="0"/>
+              <a:t>間食</a:t>
+            </a:r>
+            <a:endParaRPr lang="en-US" altLang="ja-JP" dirty="0"/>
+          </a:p>
+          <a:p>
             <a:endParaRPr lang="en-US" altLang="ja-JP" dirty="0"/>
           </a:p>
         </p:txBody>
@@ -10772,6 +10781,1136 @@
           </a:p>
           <a:p>
             <a:endParaRPr kumimoji="1" lang="ja-JP" altLang="en-US" dirty="0"/>
+          </a:p>
+        </p:txBody>
+      </p:sp>
+      <p:sp>
+        <p:nvSpPr>
+          <p:cNvPr id="16" name="テキスト ボックス 15">
+            <a:extLst>
+              <a:ext uri="{FF2B5EF4-FFF2-40B4-BE49-F238E27FC236}">
+                <a16:creationId xmlns:a16="http://schemas.microsoft.com/office/drawing/2014/main" id="{C564724B-ABC5-474A-954A-BBA2CE03D94A}"/>
+              </a:ext>
+            </a:extLst>
+          </p:cNvPr>
+          <p:cNvSpPr txBox="1"/>
+          <p:nvPr/>
+        </p:nvSpPr>
+        <p:spPr>
+          <a:xfrm>
+            <a:off x="2651986" y="2685210"/>
+            <a:ext cx="2766388" cy="351459"/>
+          </a:xfrm>
+          <a:prstGeom prst="rect">
+            <a:avLst/>
+          </a:prstGeom>
+          <a:noFill/>
+          <a:ln w="38100">
+            <a:solidFill>
+              <a:schemeClr val="accent4"/>
+            </a:solidFill>
+          </a:ln>
+        </p:spPr>
+        <p:txBody>
+          <a:bodyPr wrap="square" rtlCol="0">
+            <a:noAutofit/>
+          </a:bodyPr>
+          <a:lstStyle/>
+          <a:p>
+            <a:r>
+              <a:rPr lang="ja-JP" altLang="en-US" dirty="0"/>
+              <a:t>テキストボックス</a:t>
+            </a:r>
+            <a:endParaRPr lang="en-US" altLang="ja-JP" dirty="0"/>
+          </a:p>
+        </p:txBody>
+      </p:sp>
+      <p:sp>
+        <p:nvSpPr>
+          <p:cNvPr id="17" name="テキスト ボックス 16">
+            <a:extLst>
+              <a:ext uri="{FF2B5EF4-FFF2-40B4-BE49-F238E27FC236}">
+                <a16:creationId xmlns:a16="http://schemas.microsoft.com/office/drawing/2014/main" id="{49C61CD9-3369-41D2-8021-0403116ADFBC}"/>
+              </a:ext>
+            </a:extLst>
+          </p:cNvPr>
+          <p:cNvSpPr txBox="1"/>
+          <p:nvPr/>
+        </p:nvSpPr>
+        <p:spPr>
+          <a:xfrm>
+            <a:off x="1788366" y="2338586"/>
+            <a:ext cx="903271" cy="351459"/>
+          </a:xfrm>
+          <a:prstGeom prst="rect">
+            <a:avLst/>
+          </a:prstGeom>
+          <a:noFill/>
+          <a:ln w="38100">
+            <a:noFill/>
+          </a:ln>
+        </p:spPr>
+        <p:txBody>
+          <a:bodyPr wrap="square" rtlCol="0">
+            <a:noAutofit/>
+          </a:bodyPr>
+          <a:lstStyle/>
+          <a:p>
+            <a:r>
+              <a:rPr lang="ja-JP" altLang="en-US" dirty="0"/>
+              <a:t>時間帯</a:t>
+            </a:r>
+            <a:endParaRPr lang="en-US" altLang="ja-JP" dirty="0"/>
+          </a:p>
+        </p:txBody>
+      </p:sp>
+      <p:sp>
+        <p:nvSpPr>
+          <p:cNvPr id="18" name="テキスト ボックス 17">
+            <a:extLst>
+              <a:ext uri="{FF2B5EF4-FFF2-40B4-BE49-F238E27FC236}">
+                <a16:creationId xmlns:a16="http://schemas.microsoft.com/office/drawing/2014/main" id="{7B0B10E0-FC78-40FD-A459-1FA85215209A}"/>
+              </a:ext>
+            </a:extLst>
+          </p:cNvPr>
+          <p:cNvSpPr txBox="1"/>
+          <p:nvPr/>
+        </p:nvSpPr>
+        <p:spPr>
+          <a:xfrm>
+            <a:off x="3426517" y="2243381"/>
+            <a:ext cx="1145908" cy="351459"/>
+          </a:xfrm>
+          <a:prstGeom prst="rect">
+            <a:avLst/>
+          </a:prstGeom>
+          <a:noFill/>
+          <a:ln w="38100">
+            <a:noFill/>
+          </a:ln>
+        </p:spPr>
+        <p:txBody>
+          <a:bodyPr wrap="square" rtlCol="0">
+            <a:noAutofit/>
+          </a:bodyPr>
+          <a:lstStyle/>
+          <a:p>
+            <a:r>
+              <a:rPr lang="ja-JP" altLang="en-US" dirty="0"/>
+              <a:t>食事内容</a:t>
+            </a:r>
+            <a:endParaRPr lang="en-US" altLang="ja-JP" dirty="0"/>
+          </a:p>
+        </p:txBody>
+      </p:sp>
+      <p:sp>
+        <p:nvSpPr>
+          <p:cNvPr id="19" name="テキスト ボックス 18">
+            <a:extLst>
+              <a:ext uri="{FF2B5EF4-FFF2-40B4-BE49-F238E27FC236}">
+                <a16:creationId xmlns:a16="http://schemas.microsoft.com/office/drawing/2014/main" id="{A93BB8F1-A210-45A1-8761-AA705A91030D}"/>
+              </a:ext>
+            </a:extLst>
+          </p:cNvPr>
+          <p:cNvSpPr txBox="1"/>
+          <p:nvPr/>
+        </p:nvSpPr>
+        <p:spPr>
+          <a:xfrm>
+            <a:off x="2651986" y="3213989"/>
+            <a:ext cx="2766388" cy="351459"/>
+          </a:xfrm>
+          <a:prstGeom prst="rect">
+            <a:avLst/>
+          </a:prstGeom>
+          <a:noFill/>
+          <a:ln w="38100">
+            <a:solidFill>
+              <a:schemeClr val="accent4"/>
+            </a:solidFill>
+          </a:ln>
+        </p:spPr>
+        <p:txBody>
+          <a:bodyPr wrap="square" rtlCol="0">
+            <a:noAutofit/>
+          </a:bodyPr>
+          <a:lstStyle/>
+          <a:p>
+            <a:r>
+              <a:rPr lang="ja-JP" altLang="en-US" dirty="0"/>
+              <a:t>テキストボックス</a:t>
+            </a:r>
+            <a:endParaRPr lang="en-US" altLang="ja-JP" dirty="0"/>
+          </a:p>
+        </p:txBody>
+      </p:sp>
+      <p:sp>
+        <p:nvSpPr>
+          <p:cNvPr id="20" name="テキスト ボックス 19">
+            <a:extLst>
+              <a:ext uri="{FF2B5EF4-FFF2-40B4-BE49-F238E27FC236}">
+                <a16:creationId xmlns:a16="http://schemas.microsoft.com/office/drawing/2014/main" id="{3AA00F2C-8832-484B-93E0-A0726693C2FD}"/>
+              </a:ext>
+            </a:extLst>
+          </p:cNvPr>
+          <p:cNvSpPr txBox="1"/>
+          <p:nvPr/>
+        </p:nvSpPr>
+        <p:spPr>
+          <a:xfrm>
+            <a:off x="2651986" y="3748888"/>
+            <a:ext cx="2766388" cy="351459"/>
+          </a:xfrm>
+          <a:prstGeom prst="rect">
+            <a:avLst/>
+          </a:prstGeom>
+          <a:noFill/>
+          <a:ln w="38100">
+            <a:solidFill>
+              <a:schemeClr val="accent4"/>
+            </a:solidFill>
+          </a:ln>
+        </p:spPr>
+        <p:txBody>
+          <a:bodyPr wrap="square" rtlCol="0">
+            <a:noAutofit/>
+          </a:bodyPr>
+          <a:lstStyle/>
+          <a:p>
+            <a:r>
+              <a:rPr lang="ja-JP" altLang="en-US" dirty="0"/>
+              <a:t>テキストボックス</a:t>
+            </a:r>
+            <a:endParaRPr lang="en-US" altLang="ja-JP" dirty="0"/>
+          </a:p>
+        </p:txBody>
+      </p:sp>
+      <p:sp>
+        <p:nvSpPr>
+          <p:cNvPr id="21" name="テキスト ボックス 20">
+            <a:extLst>
+              <a:ext uri="{FF2B5EF4-FFF2-40B4-BE49-F238E27FC236}">
+                <a16:creationId xmlns:a16="http://schemas.microsoft.com/office/drawing/2014/main" id="{D1574B07-1CDD-45F4-A77F-249123FF8289}"/>
+              </a:ext>
+            </a:extLst>
+          </p:cNvPr>
+          <p:cNvSpPr txBox="1"/>
+          <p:nvPr/>
+        </p:nvSpPr>
+        <p:spPr>
+          <a:xfrm>
+            <a:off x="2651986" y="4264846"/>
+            <a:ext cx="2766388" cy="351459"/>
+          </a:xfrm>
+          <a:prstGeom prst="rect">
+            <a:avLst/>
+          </a:prstGeom>
+          <a:noFill/>
+          <a:ln w="38100">
+            <a:solidFill>
+              <a:schemeClr val="accent4"/>
+            </a:solidFill>
+          </a:ln>
+        </p:spPr>
+        <p:txBody>
+          <a:bodyPr wrap="square" rtlCol="0">
+            <a:noAutofit/>
+          </a:bodyPr>
+          <a:lstStyle/>
+          <a:p>
+            <a:r>
+              <a:rPr lang="ja-JP" altLang="en-US" dirty="0"/>
+              <a:t>テキストボックス</a:t>
+            </a:r>
+            <a:endParaRPr lang="en-US" altLang="ja-JP" dirty="0"/>
+          </a:p>
+        </p:txBody>
+      </p:sp>
+      <p:sp>
+        <p:nvSpPr>
+          <p:cNvPr id="22" name="テキスト ボックス 21">
+            <a:extLst>
+              <a:ext uri="{FF2B5EF4-FFF2-40B4-BE49-F238E27FC236}">
+                <a16:creationId xmlns:a16="http://schemas.microsoft.com/office/drawing/2014/main" id="{C7D640D5-01E8-4FCD-BCA2-467AE2053D57}"/>
+              </a:ext>
+            </a:extLst>
+          </p:cNvPr>
+          <p:cNvSpPr txBox="1"/>
+          <p:nvPr/>
+        </p:nvSpPr>
+        <p:spPr>
+          <a:xfrm>
+            <a:off x="8012541" y="2244234"/>
+            <a:ext cx="707905" cy="351459"/>
+          </a:xfrm>
+          <a:prstGeom prst="rect">
+            <a:avLst/>
+          </a:prstGeom>
+          <a:noFill/>
+          <a:ln w="38100">
+            <a:noFill/>
+          </a:ln>
+        </p:spPr>
+        <p:txBody>
+          <a:bodyPr wrap="square" rtlCol="0">
+            <a:noAutofit/>
+          </a:bodyPr>
+          <a:lstStyle/>
+          <a:p>
+            <a:r>
+              <a:rPr lang="ja-JP" altLang="en-US" dirty="0"/>
+              <a:t>食費</a:t>
+            </a:r>
+            <a:endParaRPr lang="en-US" altLang="ja-JP" dirty="0"/>
+          </a:p>
+        </p:txBody>
+      </p:sp>
+      <p:sp>
+        <p:nvSpPr>
+          <p:cNvPr id="23" name="テキスト ボックス 22">
+            <a:extLst>
+              <a:ext uri="{FF2B5EF4-FFF2-40B4-BE49-F238E27FC236}">
+                <a16:creationId xmlns:a16="http://schemas.microsoft.com/office/drawing/2014/main" id="{33412A30-A2D9-47E7-9EA4-C3BC63ED962E}"/>
+              </a:ext>
+            </a:extLst>
+          </p:cNvPr>
+          <p:cNvSpPr txBox="1"/>
+          <p:nvPr/>
+        </p:nvSpPr>
+        <p:spPr>
+          <a:xfrm>
+            <a:off x="5905327" y="2256120"/>
+            <a:ext cx="1145908" cy="351459"/>
+          </a:xfrm>
+          <a:prstGeom prst="rect">
+            <a:avLst/>
+          </a:prstGeom>
+          <a:noFill/>
+          <a:ln w="38100">
+            <a:noFill/>
+          </a:ln>
+        </p:spPr>
+        <p:txBody>
+          <a:bodyPr wrap="square" rtlCol="0">
+            <a:noAutofit/>
+          </a:bodyPr>
+          <a:lstStyle/>
+          <a:p>
+            <a:r>
+              <a:rPr lang="ja-JP" altLang="en-US" dirty="0"/>
+              <a:t>カロリー</a:t>
+            </a:r>
+            <a:endParaRPr lang="en-US" altLang="ja-JP" dirty="0"/>
+          </a:p>
+        </p:txBody>
+      </p:sp>
+      <p:sp>
+        <p:nvSpPr>
+          <p:cNvPr id="24" name="テキスト ボックス 23">
+            <a:extLst>
+              <a:ext uri="{FF2B5EF4-FFF2-40B4-BE49-F238E27FC236}">
+                <a16:creationId xmlns:a16="http://schemas.microsoft.com/office/drawing/2014/main" id="{49FEB5BD-8CC8-4450-B8BE-6DC933545B2B}"/>
+              </a:ext>
+            </a:extLst>
+          </p:cNvPr>
+          <p:cNvSpPr txBox="1"/>
+          <p:nvPr/>
+        </p:nvSpPr>
+        <p:spPr>
+          <a:xfrm>
+            <a:off x="5811831" y="2698792"/>
+            <a:ext cx="812515" cy="351460"/>
+          </a:xfrm>
+          <a:prstGeom prst="rect">
+            <a:avLst/>
+          </a:prstGeom>
+          <a:noFill/>
+          <a:ln w="38100">
+            <a:solidFill>
+              <a:schemeClr val="accent4"/>
+            </a:solidFill>
+          </a:ln>
+        </p:spPr>
+        <p:txBody>
+          <a:bodyPr wrap="square" rtlCol="0">
+            <a:noAutofit/>
+          </a:bodyPr>
+          <a:lstStyle/>
+          <a:p>
+            <a:endParaRPr lang="en-US" altLang="ja-JP" dirty="0"/>
+          </a:p>
+        </p:txBody>
+      </p:sp>
+      <p:sp>
+        <p:nvSpPr>
+          <p:cNvPr id="25" name="テキスト ボックス 24">
+            <a:extLst>
+              <a:ext uri="{FF2B5EF4-FFF2-40B4-BE49-F238E27FC236}">
+                <a16:creationId xmlns:a16="http://schemas.microsoft.com/office/drawing/2014/main" id="{9FB27C1C-61B6-403A-A9DC-74A56DA0E318}"/>
+              </a:ext>
+            </a:extLst>
+          </p:cNvPr>
+          <p:cNvSpPr txBox="1"/>
+          <p:nvPr/>
+        </p:nvSpPr>
+        <p:spPr>
+          <a:xfrm>
+            <a:off x="5811831" y="3229836"/>
+            <a:ext cx="812515" cy="351460"/>
+          </a:xfrm>
+          <a:prstGeom prst="rect">
+            <a:avLst/>
+          </a:prstGeom>
+          <a:noFill/>
+          <a:ln w="38100">
+            <a:solidFill>
+              <a:schemeClr val="accent4"/>
+            </a:solidFill>
+          </a:ln>
+        </p:spPr>
+        <p:txBody>
+          <a:bodyPr wrap="square" rtlCol="0">
+            <a:noAutofit/>
+          </a:bodyPr>
+          <a:lstStyle/>
+          <a:p>
+            <a:endParaRPr lang="en-US" altLang="ja-JP" dirty="0"/>
+          </a:p>
+        </p:txBody>
+      </p:sp>
+      <p:sp>
+        <p:nvSpPr>
+          <p:cNvPr id="26" name="テキスト ボックス 25">
+            <a:extLst>
+              <a:ext uri="{FF2B5EF4-FFF2-40B4-BE49-F238E27FC236}">
+                <a16:creationId xmlns:a16="http://schemas.microsoft.com/office/drawing/2014/main" id="{A52DEF76-DE5F-43F7-AA47-4D2171A4D55E}"/>
+              </a:ext>
+            </a:extLst>
+          </p:cNvPr>
+          <p:cNvSpPr txBox="1"/>
+          <p:nvPr/>
+        </p:nvSpPr>
+        <p:spPr>
+          <a:xfrm>
+            <a:off x="5811831" y="3726684"/>
+            <a:ext cx="812515" cy="351460"/>
+          </a:xfrm>
+          <a:prstGeom prst="rect">
+            <a:avLst/>
+          </a:prstGeom>
+          <a:noFill/>
+          <a:ln w="38100">
+            <a:solidFill>
+              <a:schemeClr val="accent4"/>
+            </a:solidFill>
+          </a:ln>
+        </p:spPr>
+        <p:txBody>
+          <a:bodyPr wrap="square" rtlCol="0">
+            <a:noAutofit/>
+          </a:bodyPr>
+          <a:lstStyle/>
+          <a:p>
+            <a:endParaRPr lang="en-US" altLang="ja-JP" dirty="0"/>
+          </a:p>
+        </p:txBody>
+      </p:sp>
+      <p:sp>
+        <p:nvSpPr>
+          <p:cNvPr id="27" name="テキスト ボックス 26">
+            <a:extLst>
+              <a:ext uri="{FF2B5EF4-FFF2-40B4-BE49-F238E27FC236}">
+                <a16:creationId xmlns:a16="http://schemas.microsoft.com/office/drawing/2014/main" id="{F9FA6F88-809D-40FD-8660-65F8BFD6BE55}"/>
+              </a:ext>
+            </a:extLst>
+          </p:cNvPr>
+          <p:cNvSpPr txBox="1"/>
+          <p:nvPr/>
+        </p:nvSpPr>
+        <p:spPr>
+          <a:xfrm>
+            <a:off x="5811831" y="4260569"/>
+            <a:ext cx="812515" cy="351460"/>
+          </a:xfrm>
+          <a:prstGeom prst="rect">
+            <a:avLst/>
+          </a:prstGeom>
+          <a:noFill/>
+          <a:ln w="38100">
+            <a:solidFill>
+              <a:schemeClr val="accent4"/>
+            </a:solidFill>
+          </a:ln>
+        </p:spPr>
+        <p:txBody>
+          <a:bodyPr wrap="square" rtlCol="0">
+            <a:noAutofit/>
+          </a:bodyPr>
+          <a:lstStyle/>
+          <a:p>
+            <a:endParaRPr lang="en-US" altLang="ja-JP" dirty="0"/>
+          </a:p>
+        </p:txBody>
+      </p:sp>
+      <p:sp>
+        <p:nvSpPr>
+          <p:cNvPr id="28" name="テキスト ボックス 27">
+            <a:extLst>
+              <a:ext uri="{FF2B5EF4-FFF2-40B4-BE49-F238E27FC236}">
+                <a16:creationId xmlns:a16="http://schemas.microsoft.com/office/drawing/2014/main" id="{E03F4365-CD89-4D14-85C0-FF8FC49EEF54}"/>
+              </a:ext>
+            </a:extLst>
+          </p:cNvPr>
+          <p:cNvSpPr txBox="1"/>
+          <p:nvPr/>
+        </p:nvSpPr>
+        <p:spPr>
+          <a:xfrm>
+            <a:off x="6624346" y="2685210"/>
+            <a:ext cx="613115" cy="351459"/>
+          </a:xfrm>
+          <a:prstGeom prst="rect">
+            <a:avLst/>
+          </a:prstGeom>
+          <a:noFill/>
+          <a:ln w="38100">
+            <a:noFill/>
+          </a:ln>
+        </p:spPr>
+        <p:txBody>
+          <a:bodyPr wrap="square" rtlCol="0">
+            <a:noAutofit/>
+          </a:bodyPr>
+          <a:lstStyle/>
+          <a:p>
+            <a:r>
+              <a:rPr lang="en-US" altLang="ja-JP" dirty="0"/>
+              <a:t>kcal</a:t>
+            </a:r>
+          </a:p>
+        </p:txBody>
+      </p:sp>
+      <p:sp>
+        <p:nvSpPr>
+          <p:cNvPr id="29" name="テキスト ボックス 28">
+            <a:extLst>
+              <a:ext uri="{FF2B5EF4-FFF2-40B4-BE49-F238E27FC236}">
+                <a16:creationId xmlns:a16="http://schemas.microsoft.com/office/drawing/2014/main" id="{BF5F237A-BB63-4952-803C-86D78002CF78}"/>
+              </a:ext>
+            </a:extLst>
+          </p:cNvPr>
+          <p:cNvSpPr txBox="1"/>
+          <p:nvPr/>
+        </p:nvSpPr>
+        <p:spPr>
+          <a:xfrm>
+            <a:off x="6624345" y="3216585"/>
+            <a:ext cx="613115" cy="351459"/>
+          </a:xfrm>
+          <a:prstGeom prst="rect">
+            <a:avLst/>
+          </a:prstGeom>
+          <a:noFill/>
+          <a:ln w="38100">
+            <a:noFill/>
+          </a:ln>
+        </p:spPr>
+        <p:txBody>
+          <a:bodyPr wrap="square" rtlCol="0">
+            <a:noAutofit/>
+          </a:bodyPr>
+          <a:lstStyle/>
+          <a:p>
+            <a:r>
+              <a:rPr lang="en-US" altLang="ja-JP" dirty="0"/>
+              <a:t>kcal</a:t>
+            </a:r>
+          </a:p>
+        </p:txBody>
+      </p:sp>
+      <p:sp>
+        <p:nvSpPr>
+          <p:cNvPr id="30" name="テキスト ボックス 29">
+            <a:extLst>
+              <a:ext uri="{FF2B5EF4-FFF2-40B4-BE49-F238E27FC236}">
+                <a16:creationId xmlns:a16="http://schemas.microsoft.com/office/drawing/2014/main" id="{42A75D09-545E-4CA0-A1AD-4C383E9CBCE9}"/>
+              </a:ext>
+            </a:extLst>
+          </p:cNvPr>
+          <p:cNvSpPr txBox="1"/>
+          <p:nvPr/>
+        </p:nvSpPr>
+        <p:spPr>
+          <a:xfrm>
+            <a:off x="6648661" y="3752367"/>
+            <a:ext cx="613115" cy="351459"/>
+          </a:xfrm>
+          <a:prstGeom prst="rect">
+            <a:avLst/>
+          </a:prstGeom>
+          <a:noFill/>
+          <a:ln w="38100">
+            <a:noFill/>
+          </a:ln>
+        </p:spPr>
+        <p:txBody>
+          <a:bodyPr wrap="square" rtlCol="0">
+            <a:noAutofit/>
+          </a:bodyPr>
+          <a:lstStyle/>
+          <a:p>
+            <a:r>
+              <a:rPr lang="en-US" altLang="ja-JP" dirty="0"/>
+              <a:t>kcal</a:t>
+            </a:r>
+          </a:p>
+        </p:txBody>
+      </p:sp>
+      <p:sp>
+        <p:nvSpPr>
+          <p:cNvPr id="31" name="テキスト ボックス 30">
+            <a:extLst>
+              <a:ext uri="{FF2B5EF4-FFF2-40B4-BE49-F238E27FC236}">
+                <a16:creationId xmlns:a16="http://schemas.microsoft.com/office/drawing/2014/main" id="{5D53C718-BEF2-431B-BB04-B2D0FB7E7C3F}"/>
+              </a:ext>
+            </a:extLst>
+          </p:cNvPr>
+          <p:cNvSpPr txBox="1"/>
+          <p:nvPr/>
+        </p:nvSpPr>
+        <p:spPr>
+          <a:xfrm>
+            <a:off x="6648661" y="4231069"/>
+            <a:ext cx="613115" cy="351459"/>
+          </a:xfrm>
+          <a:prstGeom prst="rect">
+            <a:avLst/>
+          </a:prstGeom>
+          <a:noFill/>
+          <a:ln w="38100">
+            <a:noFill/>
+          </a:ln>
+        </p:spPr>
+        <p:txBody>
+          <a:bodyPr wrap="square" rtlCol="0">
+            <a:noAutofit/>
+          </a:bodyPr>
+          <a:lstStyle/>
+          <a:p>
+            <a:r>
+              <a:rPr lang="en-US" altLang="ja-JP" dirty="0"/>
+              <a:t>kcal</a:t>
+            </a:r>
+          </a:p>
+        </p:txBody>
+      </p:sp>
+      <p:sp>
+        <p:nvSpPr>
+          <p:cNvPr id="32" name="テキスト ボックス 31">
+            <a:extLst>
+              <a:ext uri="{FF2B5EF4-FFF2-40B4-BE49-F238E27FC236}">
+                <a16:creationId xmlns:a16="http://schemas.microsoft.com/office/drawing/2014/main" id="{CC42D0D1-3602-4719-9606-5BC93D57416D}"/>
+              </a:ext>
+            </a:extLst>
+          </p:cNvPr>
+          <p:cNvSpPr txBox="1"/>
+          <p:nvPr/>
+        </p:nvSpPr>
+        <p:spPr>
+          <a:xfrm>
+            <a:off x="7903670" y="2715111"/>
+            <a:ext cx="812515" cy="351460"/>
+          </a:xfrm>
+          <a:prstGeom prst="rect">
+            <a:avLst/>
+          </a:prstGeom>
+          <a:noFill/>
+          <a:ln w="38100">
+            <a:solidFill>
+              <a:schemeClr val="accent4"/>
+            </a:solidFill>
+          </a:ln>
+        </p:spPr>
+        <p:txBody>
+          <a:bodyPr wrap="square" rtlCol="0">
+            <a:noAutofit/>
+          </a:bodyPr>
+          <a:lstStyle/>
+          <a:p>
+            <a:endParaRPr lang="en-US" altLang="ja-JP" dirty="0"/>
+          </a:p>
+        </p:txBody>
+      </p:sp>
+      <p:sp>
+        <p:nvSpPr>
+          <p:cNvPr id="33" name="テキスト ボックス 32">
+            <a:extLst>
+              <a:ext uri="{FF2B5EF4-FFF2-40B4-BE49-F238E27FC236}">
+                <a16:creationId xmlns:a16="http://schemas.microsoft.com/office/drawing/2014/main" id="{8FFEF1BA-27B8-4F18-BD8F-3D96943EE552}"/>
+              </a:ext>
+            </a:extLst>
+          </p:cNvPr>
+          <p:cNvSpPr txBox="1"/>
+          <p:nvPr/>
+        </p:nvSpPr>
+        <p:spPr>
+          <a:xfrm>
+            <a:off x="7903670" y="3246155"/>
+            <a:ext cx="812515" cy="351460"/>
+          </a:xfrm>
+          <a:prstGeom prst="rect">
+            <a:avLst/>
+          </a:prstGeom>
+          <a:noFill/>
+          <a:ln w="38100">
+            <a:solidFill>
+              <a:schemeClr val="accent4"/>
+            </a:solidFill>
+          </a:ln>
+        </p:spPr>
+        <p:txBody>
+          <a:bodyPr wrap="square" rtlCol="0">
+            <a:noAutofit/>
+          </a:bodyPr>
+          <a:lstStyle/>
+          <a:p>
+            <a:endParaRPr lang="en-US" altLang="ja-JP" dirty="0"/>
+          </a:p>
+        </p:txBody>
+      </p:sp>
+      <p:sp>
+        <p:nvSpPr>
+          <p:cNvPr id="34" name="テキスト ボックス 33">
+            <a:extLst>
+              <a:ext uri="{FF2B5EF4-FFF2-40B4-BE49-F238E27FC236}">
+                <a16:creationId xmlns:a16="http://schemas.microsoft.com/office/drawing/2014/main" id="{20F1DC3C-7158-4FFB-ABA7-33063350E3F5}"/>
+              </a:ext>
+            </a:extLst>
+          </p:cNvPr>
+          <p:cNvSpPr txBox="1"/>
+          <p:nvPr/>
+        </p:nvSpPr>
+        <p:spPr>
+          <a:xfrm>
+            <a:off x="7903670" y="3743003"/>
+            <a:ext cx="812515" cy="351460"/>
+          </a:xfrm>
+          <a:prstGeom prst="rect">
+            <a:avLst/>
+          </a:prstGeom>
+          <a:noFill/>
+          <a:ln w="38100">
+            <a:solidFill>
+              <a:schemeClr val="accent4"/>
+            </a:solidFill>
+          </a:ln>
+        </p:spPr>
+        <p:txBody>
+          <a:bodyPr wrap="square" rtlCol="0">
+            <a:noAutofit/>
+          </a:bodyPr>
+          <a:lstStyle/>
+          <a:p>
+            <a:endParaRPr lang="en-US" altLang="ja-JP" dirty="0"/>
+          </a:p>
+        </p:txBody>
+      </p:sp>
+      <p:sp>
+        <p:nvSpPr>
+          <p:cNvPr id="35" name="テキスト ボックス 34">
+            <a:extLst>
+              <a:ext uri="{FF2B5EF4-FFF2-40B4-BE49-F238E27FC236}">
+                <a16:creationId xmlns:a16="http://schemas.microsoft.com/office/drawing/2014/main" id="{8412C9D5-9FDB-4496-A9EF-CF157288AF40}"/>
+              </a:ext>
+            </a:extLst>
+          </p:cNvPr>
+          <p:cNvSpPr txBox="1"/>
+          <p:nvPr/>
+        </p:nvSpPr>
+        <p:spPr>
+          <a:xfrm>
+            <a:off x="7903670" y="4276888"/>
+            <a:ext cx="812515" cy="351460"/>
+          </a:xfrm>
+          <a:prstGeom prst="rect">
+            <a:avLst/>
+          </a:prstGeom>
+          <a:noFill/>
+          <a:ln w="38100">
+            <a:solidFill>
+              <a:schemeClr val="accent4"/>
+            </a:solidFill>
+          </a:ln>
+        </p:spPr>
+        <p:txBody>
+          <a:bodyPr wrap="square" rtlCol="0">
+            <a:noAutofit/>
+          </a:bodyPr>
+          <a:lstStyle/>
+          <a:p>
+            <a:endParaRPr lang="en-US" altLang="ja-JP" dirty="0"/>
+          </a:p>
+        </p:txBody>
+      </p:sp>
+      <p:sp>
+        <p:nvSpPr>
+          <p:cNvPr id="36" name="テキスト ボックス 35">
+            <a:extLst>
+              <a:ext uri="{FF2B5EF4-FFF2-40B4-BE49-F238E27FC236}">
+                <a16:creationId xmlns:a16="http://schemas.microsoft.com/office/drawing/2014/main" id="{372C89BC-FB05-4D96-8E42-8105BCEA6E3E}"/>
+              </a:ext>
+            </a:extLst>
+          </p:cNvPr>
+          <p:cNvSpPr txBox="1"/>
+          <p:nvPr/>
+        </p:nvSpPr>
+        <p:spPr>
+          <a:xfrm>
+            <a:off x="8716185" y="2701529"/>
+            <a:ext cx="613115" cy="351459"/>
+          </a:xfrm>
+          <a:prstGeom prst="rect">
+            <a:avLst/>
+          </a:prstGeom>
+          <a:noFill/>
+          <a:ln w="38100">
+            <a:noFill/>
+          </a:ln>
+        </p:spPr>
+        <p:txBody>
+          <a:bodyPr wrap="square" rtlCol="0">
+            <a:noAutofit/>
+          </a:bodyPr>
+          <a:lstStyle/>
+          <a:p>
+            <a:r>
+              <a:rPr lang="ja-JP" altLang="en-US" dirty="0"/>
+              <a:t>円</a:t>
+            </a:r>
+            <a:endParaRPr lang="en-US" altLang="ja-JP" dirty="0"/>
+          </a:p>
+        </p:txBody>
+      </p:sp>
+      <p:sp>
+        <p:nvSpPr>
+          <p:cNvPr id="37" name="テキスト ボックス 36">
+            <a:extLst>
+              <a:ext uri="{FF2B5EF4-FFF2-40B4-BE49-F238E27FC236}">
+                <a16:creationId xmlns:a16="http://schemas.microsoft.com/office/drawing/2014/main" id="{B942B2C7-9C7B-4096-9573-E23D7A73BA38}"/>
+              </a:ext>
+            </a:extLst>
+          </p:cNvPr>
+          <p:cNvSpPr txBox="1"/>
+          <p:nvPr/>
+        </p:nvSpPr>
+        <p:spPr>
+          <a:xfrm>
+            <a:off x="8716184" y="3232904"/>
+            <a:ext cx="613115" cy="351459"/>
+          </a:xfrm>
+          <a:prstGeom prst="rect">
+            <a:avLst/>
+          </a:prstGeom>
+          <a:noFill/>
+          <a:ln w="38100">
+            <a:noFill/>
+          </a:ln>
+        </p:spPr>
+        <p:txBody>
+          <a:bodyPr wrap="square" rtlCol="0">
+            <a:noAutofit/>
+          </a:bodyPr>
+          <a:lstStyle/>
+          <a:p>
+            <a:r>
+              <a:rPr lang="ja-JP" altLang="en-US" dirty="0"/>
+              <a:t>円</a:t>
+            </a:r>
+            <a:endParaRPr lang="en-US" altLang="ja-JP" dirty="0"/>
+          </a:p>
+        </p:txBody>
+      </p:sp>
+      <p:sp>
+        <p:nvSpPr>
+          <p:cNvPr id="38" name="テキスト ボックス 37">
+            <a:extLst>
+              <a:ext uri="{FF2B5EF4-FFF2-40B4-BE49-F238E27FC236}">
+                <a16:creationId xmlns:a16="http://schemas.microsoft.com/office/drawing/2014/main" id="{216A71E6-07D6-43C3-B19C-B64B39597BBD}"/>
+              </a:ext>
+            </a:extLst>
+          </p:cNvPr>
+          <p:cNvSpPr txBox="1"/>
+          <p:nvPr/>
+        </p:nvSpPr>
+        <p:spPr>
+          <a:xfrm>
+            <a:off x="8740500" y="3768686"/>
+            <a:ext cx="613115" cy="351459"/>
+          </a:xfrm>
+          <a:prstGeom prst="rect">
+            <a:avLst/>
+          </a:prstGeom>
+          <a:noFill/>
+          <a:ln w="38100">
+            <a:noFill/>
+          </a:ln>
+        </p:spPr>
+        <p:txBody>
+          <a:bodyPr wrap="square" rtlCol="0">
+            <a:noAutofit/>
+          </a:bodyPr>
+          <a:lstStyle/>
+          <a:p>
+            <a:r>
+              <a:rPr lang="ja-JP" altLang="en-US" dirty="0"/>
+              <a:t>円</a:t>
+            </a:r>
+            <a:endParaRPr lang="en-US" altLang="ja-JP" dirty="0"/>
+          </a:p>
+        </p:txBody>
+      </p:sp>
+      <p:sp>
+        <p:nvSpPr>
+          <p:cNvPr id="39" name="テキスト ボックス 38">
+            <a:extLst>
+              <a:ext uri="{FF2B5EF4-FFF2-40B4-BE49-F238E27FC236}">
+                <a16:creationId xmlns:a16="http://schemas.microsoft.com/office/drawing/2014/main" id="{C647EB2F-3E4D-42D7-9D6F-B11D86305A6A}"/>
+              </a:ext>
+            </a:extLst>
+          </p:cNvPr>
+          <p:cNvSpPr txBox="1"/>
+          <p:nvPr/>
+        </p:nvSpPr>
+        <p:spPr>
+          <a:xfrm>
+            <a:off x="8740500" y="4247388"/>
+            <a:ext cx="613115" cy="351459"/>
+          </a:xfrm>
+          <a:prstGeom prst="rect">
+            <a:avLst/>
+          </a:prstGeom>
+          <a:noFill/>
+          <a:ln w="38100">
+            <a:noFill/>
+          </a:ln>
+        </p:spPr>
+        <p:txBody>
+          <a:bodyPr wrap="square" rtlCol="0">
+            <a:noAutofit/>
+          </a:bodyPr>
+          <a:lstStyle/>
+          <a:p>
+            <a:r>
+              <a:rPr lang="ja-JP" altLang="en-US" dirty="0"/>
+              <a:t>円</a:t>
+            </a:r>
+            <a:endParaRPr lang="en-US" altLang="ja-JP" dirty="0"/>
+          </a:p>
+        </p:txBody>
+      </p:sp>
+      <p:sp>
+        <p:nvSpPr>
+          <p:cNvPr id="42" name="テキスト ボックス 41">
+            <a:extLst>
+              <a:ext uri="{FF2B5EF4-FFF2-40B4-BE49-F238E27FC236}">
+                <a16:creationId xmlns:a16="http://schemas.microsoft.com/office/drawing/2014/main" id="{E00679C3-AB3F-4048-BD18-5507C1FD7F5C}"/>
+              </a:ext>
+            </a:extLst>
+          </p:cNvPr>
+          <p:cNvSpPr txBox="1"/>
+          <p:nvPr/>
+        </p:nvSpPr>
+        <p:spPr>
+          <a:xfrm>
+            <a:off x="1875790" y="4803729"/>
+            <a:ext cx="4131310" cy="355274"/>
+          </a:xfrm>
+          <a:prstGeom prst="rect">
+            <a:avLst/>
+          </a:prstGeom>
+          <a:noFill/>
+          <a:ln w="38100">
+            <a:noFill/>
+          </a:ln>
+        </p:spPr>
+        <p:txBody>
+          <a:bodyPr wrap="square" rtlCol="0">
+            <a:noAutofit/>
+          </a:bodyPr>
+          <a:lstStyle/>
+          <a:p>
+            <a:r>
+              <a:rPr lang="ja-JP" altLang="en-US" dirty="0"/>
+              <a:t>前日の体重　○○</a:t>
+            </a:r>
+            <a:r>
+              <a:rPr lang="en-US" altLang="ja-JP" dirty="0"/>
+              <a:t>kg</a:t>
+            </a:r>
+            <a:r>
+              <a:rPr lang="ja-JP" altLang="en-US" dirty="0"/>
+              <a:t>　→　今日の体重</a:t>
+            </a:r>
+            <a:endParaRPr lang="en-US" altLang="ja-JP" dirty="0"/>
+          </a:p>
+        </p:txBody>
+      </p:sp>
+      <p:sp>
+        <p:nvSpPr>
+          <p:cNvPr id="45" name="テキスト ボックス 44">
+            <a:extLst>
+              <a:ext uri="{FF2B5EF4-FFF2-40B4-BE49-F238E27FC236}">
+                <a16:creationId xmlns:a16="http://schemas.microsoft.com/office/drawing/2014/main" id="{0BFE57D4-4450-4B8B-8CD7-CE803A93C99E}"/>
+              </a:ext>
+            </a:extLst>
+          </p:cNvPr>
+          <p:cNvSpPr txBox="1"/>
+          <p:nvPr/>
+        </p:nvSpPr>
+        <p:spPr>
+          <a:xfrm>
+            <a:off x="6018546" y="4807543"/>
+            <a:ext cx="812515" cy="351460"/>
+          </a:xfrm>
+          <a:prstGeom prst="rect">
+            <a:avLst/>
+          </a:prstGeom>
+          <a:noFill/>
+          <a:ln w="38100">
+            <a:solidFill>
+              <a:schemeClr val="accent4"/>
+            </a:solidFill>
+          </a:ln>
+        </p:spPr>
+        <p:txBody>
+          <a:bodyPr wrap="square" rtlCol="0">
+            <a:noAutofit/>
+          </a:bodyPr>
+          <a:lstStyle/>
+          <a:p>
+            <a:endParaRPr lang="en-US" altLang="ja-JP" dirty="0"/>
+          </a:p>
+        </p:txBody>
+      </p:sp>
+      <p:sp>
+        <p:nvSpPr>
+          <p:cNvPr id="46" name="テキスト ボックス 45">
+            <a:extLst>
+              <a:ext uri="{FF2B5EF4-FFF2-40B4-BE49-F238E27FC236}">
+                <a16:creationId xmlns:a16="http://schemas.microsoft.com/office/drawing/2014/main" id="{C715A246-061E-4246-A5E7-DB6D75B813A7}"/>
+              </a:ext>
+            </a:extLst>
+          </p:cNvPr>
+          <p:cNvSpPr txBox="1"/>
+          <p:nvPr/>
+        </p:nvSpPr>
+        <p:spPr>
+          <a:xfrm>
+            <a:off x="6842507" y="4803729"/>
+            <a:ext cx="613115" cy="351459"/>
+          </a:xfrm>
+          <a:prstGeom prst="rect">
+            <a:avLst/>
+          </a:prstGeom>
+          <a:noFill/>
+          <a:ln w="38100">
+            <a:noFill/>
+          </a:ln>
+        </p:spPr>
+        <p:txBody>
+          <a:bodyPr wrap="square" rtlCol="0">
+            <a:noAutofit/>
+          </a:bodyPr>
+          <a:lstStyle/>
+          <a:p>
+            <a:r>
+              <a:rPr lang="en-US" altLang="ja-JP" dirty="0"/>
+              <a:t>kg</a:t>
+            </a:r>
+          </a:p>
+        </p:txBody>
+      </p:sp>
+      <p:sp>
+        <p:nvSpPr>
+          <p:cNvPr id="47" name="テキスト ボックス 46">
+            <a:extLst>
+              <a:ext uri="{FF2B5EF4-FFF2-40B4-BE49-F238E27FC236}">
+                <a16:creationId xmlns:a16="http://schemas.microsoft.com/office/drawing/2014/main" id="{87EF408F-8B37-4BB9-9995-08636D620A1D}"/>
+              </a:ext>
+            </a:extLst>
+          </p:cNvPr>
+          <p:cNvSpPr txBox="1"/>
+          <p:nvPr/>
+        </p:nvSpPr>
+        <p:spPr>
+          <a:xfrm>
+            <a:off x="4405178" y="5625328"/>
+            <a:ext cx="812515" cy="351460"/>
+          </a:xfrm>
+          <a:prstGeom prst="rect">
+            <a:avLst/>
+          </a:prstGeom>
+          <a:noFill/>
+          <a:ln w="38100">
+            <a:solidFill>
+              <a:schemeClr val="accent4"/>
+            </a:solidFill>
+          </a:ln>
+        </p:spPr>
+        <p:txBody>
+          <a:bodyPr wrap="square" rtlCol="0">
+            <a:noAutofit/>
+          </a:bodyPr>
+          <a:lstStyle/>
+          <a:p>
+            <a:pPr algn="ctr"/>
+            <a:r>
+              <a:rPr lang="ja-JP" altLang="en-US" dirty="0"/>
+              <a:t>更新</a:t>
+            </a:r>
+            <a:endParaRPr lang="en-US" altLang="ja-JP" dirty="0"/>
+          </a:p>
+        </p:txBody>
+      </p:sp>
+      <p:sp>
+        <p:nvSpPr>
+          <p:cNvPr id="48" name="テキスト ボックス 47">
+            <a:extLst>
+              <a:ext uri="{FF2B5EF4-FFF2-40B4-BE49-F238E27FC236}">
+                <a16:creationId xmlns:a16="http://schemas.microsoft.com/office/drawing/2014/main" id="{3299F77C-8DF1-47D1-B1B7-3E49B44D2EC5}"/>
+              </a:ext>
+            </a:extLst>
+          </p:cNvPr>
+          <p:cNvSpPr txBox="1"/>
+          <p:nvPr/>
+        </p:nvSpPr>
+        <p:spPr>
+          <a:xfrm>
+            <a:off x="5951072" y="5628613"/>
+            <a:ext cx="812515" cy="351460"/>
+          </a:xfrm>
+          <a:prstGeom prst="rect">
+            <a:avLst/>
+          </a:prstGeom>
+          <a:noFill/>
+          <a:ln w="38100">
+            <a:solidFill>
+              <a:schemeClr val="accent4"/>
+            </a:solidFill>
+          </a:ln>
+        </p:spPr>
+        <p:txBody>
+          <a:bodyPr wrap="square" rtlCol="0">
+            <a:noAutofit/>
+          </a:bodyPr>
+          <a:lstStyle/>
+          <a:p>
+            <a:pPr algn="ctr"/>
+            <a:r>
+              <a:rPr lang="ja-JP" altLang="en-US" dirty="0"/>
+              <a:t>戻る</a:t>
+            </a:r>
+            <a:endParaRPr lang="en-US" altLang="ja-JP" dirty="0"/>
           </a:p>
         </p:txBody>
       </p:sp>
